--- a/LR(1)DFA.pptx
+++ b/LR(1)DFA.pptx
@@ -3652,8 +3652,8 @@
           </a:p>
         </p:txBody>
       </p:sp>
-      <mc:AlternateContent xmlns:mc="http://schemas.openxmlformats.org/markup-compatibility/2006">
-        <mc:Choice xmlns:a14="http://schemas.microsoft.com/office/drawing/2010/main" Requires="a14">
+      <mc:AlternateContent xmlns:mc="http://schemas.openxmlformats.org/markup-compatibility/2006" xmlns:a14="http://schemas.microsoft.com/office/drawing/2010/main">
+        <mc:Choice Requires="a14">
           <p:sp>
             <p:nvSpPr>
               <p:cNvPr id="16" name="文本框 15"/>
@@ -3725,7 +3725,7 @@
             </p:txBody>
           </p:sp>
         </mc:Choice>
-        <mc:Fallback>
+        <mc:Fallback xmlns="">
           <p:sp>
             <p:nvSpPr>
               <p:cNvPr id="16" name="文本框 15"/>
@@ -4116,8 +4116,8 @@
           </a:p>
         </p:txBody>
       </p:sp>
-      <mc:AlternateContent xmlns:mc="http://schemas.openxmlformats.org/markup-compatibility/2006">
-        <mc:Choice xmlns:a14="http://schemas.microsoft.com/office/drawing/2010/main" Requires="a14">
+      <mc:AlternateContent xmlns:mc="http://schemas.openxmlformats.org/markup-compatibility/2006" xmlns:a14="http://schemas.microsoft.com/office/drawing/2010/main">
+        <mc:Choice Requires="a14">
           <p:sp>
             <p:nvSpPr>
               <p:cNvPr id="31" name="文本框 30"/>
@@ -4189,7 +4189,7 @@
             </p:txBody>
           </p:sp>
         </mc:Choice>
-        <mc:Fallback>
+        <mc:Fallback xmlns="">
           <p:sp>
             <p:nvSpPr>
               <p:cNvPr id="31" name="文本框 30"/>
@@ -4228,8 +4228,8 @@
           </p:sp>
         </mc:Fallback>
       </mc:AlternateContent>
-      <mc:AlternateContent xmlns:mc="http://schemas.openxmlformats.org/markup-compatibility/2006">
-        <mc:Choice xmlns:a14="http://schemas.microsoft.com/office/drawing/2010/main" Requires="a14">
+      <mc:AlternateContent xmlns:mc="http://schemas.openxmlformats.org/markup-compatibility/2006" xmlns:a14="http://schemas.microsoft.com/office/drawing/2010/main">
+        <mc:Choice Requires="a14">
           <p:sp>
             <p:nvSpPr>
               <p:cNvPr id="33" name="文本框 32"/>
@@ -4301,7 +4301,7 @@
             </p:txBody>
           </p:sp>
         </mc:Choice>
-        <mc:Fallback>
+        <mc:Fallback xmlns="">
           <p:sp>
             <p:nvSpPr>
               <p:cNvPr id="33" name="文本框 32"/>
@@ -4471,8 +4471,8 @@
           </a:p>
         </p:txBody>
       </p:sp>
-      <mc:AlternateContent xmlns:mc="http://schemas.openxmlformats.org/markup-compatibility/2006">
-        <mc:Choice xmlns:a14="http://schemas.microsoft.com/office/drawing/2010/main" Requires="a14">
+      <mc:AlternateContent xmlns:mc="http://schemas.openxmlformats.org/markup-compatibility/2006" xmlns:a14="http://schemas.microsoft.com/office/drawing/2010/main">
+        <mc:Choice Requires="a14">
           <p:sp>
             <p:nvSpPr>
               <p:cNvPr id="38" name="文本框 37"/>
@@ -4544,7 +4544,7 @@
             </p:txBody>
           </p:sp>
         </mc:Choice>
-        <mc:Fallback>
+        <mc:Fallback xmlns="">
           <p:sp>
             <p:nvSpPr>
               <p:cNvPr id="38" name="文本框 37"/>
@@ -4714,8 +4714,8 @@
           </a:p>
         </p:txBody>
       </p:sp>
-      <mc:AlternateContent xmlns:mc="http://schemas.openxmlformats.org/markup-compatibility/2006">
-        <mc:Choice xmlns:a14="http://schemas.microsoft.com/office/drawing/2010/main" Requires="a14">
+      <mc:AlternateContent xmlns:mc="http://schemas.openxmlformats.org/markup-compatibility/2006" xmlns:a14="http://schemas.microsoft.com/office/drawing/2010/main">
+        <mc:Choice Requires="a14">
           <p:sp>
             <p:nvSpPr>
               <p:cNvPr id="55" name="文本框 54"/>
@@ -4787,7 +4787,7 @@
             </p:txBody>
           </p:sp>
         </mc:Choice>
-        <mc:Fallback>
+        <mc:Fallback xmlns="">
           <p:sp>
             <p:nvSpPr>
               <p:cNvPr id="55" name="文本框 54"/>
@@ -5024,8 +5024,8 @@
           </a:p>
         </p:txBody>
       </p:sp>
-      <mc:AlternateContent xmlns:mc="http://schemas.openxmlformats.org/markup-compatibility/2006">
-        <mc:Choice xmlns:a14="http://schemas.microsoft.com/office/drawing/2010/main" Requires="a14">
+      <mc:AlternateContent xmlns:mc="http://schemas.openxmlformats.org/markup-compatibility/2006" xmlns:a14="http://schemas.microsoft.com/office/drawing/2010/main">
+        <mc:Choice Requires="a14">
           <p:sp>
             <p:nvSpPr>
               <p:cNvPr id="70" name="文本框 69"/>
@@ -5097,7 +5097,7 @@
             </p:txBody>
           </p:sp>
         </mc:Choice>
-        <mc:Fallback>
+        <mc:Fallback xmlns="">
           <p:sp>
             <p:nvSpPr>
               <p:cNvPr id="70" name="文本框 69"/>
@@ -5261,8 +5261,8 @@
           </a:p>
         </p:txBody>
       </p:sp>
-      <mc:AlternateContent xmlns:mc="http://schemas.openxmlformats.org/markup-compatibility/2006">
-        <mc:Choice xmlns:a14="http://schemas.microsoft.com/office/drawing/2010/main" Requires="a14">
+      <mc:AlternateContent xmlns:mc="http://schemas.openxmlformats.org/markup-compatibility/2006" xmlns:a14="http://schemas.microsoft.com/office/drawing/2010/main">
+        <mc:Choice Requires="a14">
           <p:sp>
             <p:nvSpPr>
               <p:cNvPr id="75" name="文本框 74"/>
@@ -5334,7 +5334,7 @@
             </p:txBody>
           </p:sp>
         </mc:Choice>
-        <mc:Fallback>
+        <mc:Fallback xmlns="">
           <p:sp>
             <p:nvSpPr>
               <p:cNvPr id="75" name="文本框 74"/>
@@ -5673,8 +5673,8 @@
           </a:p>
         </p:txBody>
       </p:sp>
-      <mc:AlternateContent xmlns:mc="http://schemas.openxmlformats.org/markup-compatibility/2006">
-        <mc:Choice xmlns:a14="http://schemas.microsoft.com/office/drawing/2010/main" Requires="a14">
+      <mc:AlternateContent xmlns:mc="http://schemas.openxmlformats.org/markup-compatibility/2006" xmlns:a14="http://schemas.microsoft.com/office/drawing/2010/main">
+        <mc:Choice Requires="a14">
           <p:sp>
             <p:nvSpPr>
               <p:cNvPr id="102" name="文本框 101"/>
@@ -5746,7 +5746,7 @@
             </p:txBody>
           </p:sp>
         </mc:Choice>
-        <mc:Fallback>
+        <mc:Fallback xmlns="">
           <p:sp>
             <p:nvSpPr>
               <p:cNvPr id="102" name="文本框 101"/>
@@ -5910,8 +5910,8 @@
           </a:p>
         </p:txBody>
       </p:sp>
-      <mc:AlternateContent xmlns:mc="http://schemas.openxmlformats.org/markup-compatibility/2006">
-        <mc:Choice xmlns:a14="http://schemas.microsoft.com/office/drawing/2010/main" Requires="a14">
+      <mc:AlternateContent xmlns:mc="http://schemas.openxmlformats.org/markup-compatibility/2006" xmlns:a14="http://schemas.microsoft.com/office/drawing/2010/main">
+        <mc:Choice Requires="a14">
           <p:sp>
             <p:nvSpPr>
               <p:cNvPr id="116" name="文本框 115"/>
@@ -5968,14 +5968,7 @@
                               <a:latin typeface="Cambria Math" panose="02040503050406030204" pitchFamily="18" charset="0"/>
                               <a:ea typeface="宋体" panose="02010600030101010101" pitchFamily="2" charset="-122"/>
                             </a:rPr>
-                            <m:t>1</m:t>
-                          </m:r>
-                          <m:r>
-                            <a:rPr lang="en-US" altLang="zh-CN" sz="1600" b="0" i="1" smtClean="0">
-                              <a:latin typeface="Cambria Math" panose="02040503050406030204" pitchFamily="18" charset="0"/>
-                              <a:ea typeface="宋体" panose="02010600030101010101" pitchFamily="2" charset="-122"/>
-                            </a:rPr>
-                            <m:t>1</m:t>
+                            <m:t>11</m:t>
                           </m:r>
                         </m:sub>
                       </m:sSub>
@@ -5990,7 +5983,7 @@
             </p:txBody>
           </p:sp>
         </mc:Choice>
-        <mc:Fallback>
+        <mc:Fallback xmlns="">
           <p:sp>
             <p:nvSpPr>
               <p:cNvPr id="116" name="文本框 115"/>
@@ -6153,8 +6146,8 @@
           </a:p>
         </p:txBody>
       </p:sp>
-      <mc:AlternateContent xmlns:mc="http://schemas.openxmlformats.org/markup-compatibility/2006">
-        <mc:Choice xmlns:a14="http://schemas.microsoft.com/office/drawing/2010/main" Requires="a14">
+      <mc:AlternateContent xmlns:mc="http://schemas.openxmlformats.org/markup-compatibility/2006" xmlns:a14="http://schemas.microsoft.com/office/drawing/2010/main">
+        <mc:Choice Requires="a14">
           <p:sp>
             <p:nvSpPr>
               <p:cNvPr id="122" name="文本框 121"/>
@@ -6226,7 +6219,7 @@
             </p:txBody>
           </p:sp>
         </mc:Choice>
-        <mc:Fallback>
+        <mc:Fallback xmlns="">
           <p:sp>
             <p:nvSpPr>
               <p:cNvPr id="122" name="文本框 121"/>
@@ -6453,8 +6446,8 @@
           </a:p>
         </p:txBody>
       </p:sp>
-      <mc:AlternateContent xmlns:mc="http://schemas.openxmlformats.org/markup-compatibility/2006">
-        <mc:Choice xmlns:a14="http://schemas.microsoft.com/office/drawing/2010/main" Requires="a14">
+      <mc:AlternateContent xmlns:mc="http://schemas.openxmlformats.org/markup-compatibility/2006" xmlns:a14="http://schemas.microsoft.com/office/drawing/2010/main">
+        <mc:Choice Requires="a14">
           <p:sp>
             <p:nvSpPr>
               <p:cNvPr id="161" name="文本框 160">
@@ -6532,7 +6525,7 @@
             </p:txBody>
           </p:sp>
         </mc:Choice>
-        <mc:Fallback>
+        <mc:Fallback xmlns="">
           <p:sp>
             <p:nvSpPr>
               <p:cNvPr id="161" name="文本框 160">
@@ -6756,8 +6749,8 @@
           </a:p>
         </p:txBody>
       </p:sp>
-      <mc:AlternateContent xmlns:mc="http://schemas.openxmlformats.org/markup-compatibility/2006">
-        <mc:Choice xmlns:a14="http://schemas.microsoft.com/office/drawing/2010/main" Requires="a14">
+      <mc:AlternateContent xmlns:mc="http://schemas.openxmlformats.org/markup-compatibility/2006" xmlns:a14="http://schemas.microsoft.com/office/drawing/2010/main">
+        <mc:Choice Requires="a14">
           <p:sp>
             <p:nvSpPr>
               <p:cNvPr id="166" name="文本框 165">
@@ -6820,14 +6813,7 @@
                               <a:latin typeface="Cambria Math" panose="02040503050406030204" pitchFamily="18" charset="0"/>
                               <a:ea typeface="宋体" panose="02010600030101010101" pitchFamily="2" charset="-122"/>
                             </a:rPr>
-                            <m:t>1</m:t>
-                          </m:r>
-                          <m:r>
-                            <a:rPr lang="en-US" altLang="zh-CN" sz="1600" b="0" i="1" smtClean="0">
-                              <a:latin typeface="Cambria Math" panose="02040503050406030204" pitchFamily="18" charset="0"/>
-                              <a:ea typeface="宋体" panose="02010600030101010101" pitchFamily="2" charset="-122"/>
-                            </a:rPr>
-                            <m:t>2</m:t>
+                            <m:t>12</m:t>
                           </m:r>
                         </m:sub>
                       </m:sSub>
@@ -6842,7 +6828,7 @@
             </p:txBody>
           </p:sp>
         </mc:Choice>
-        <mc:Fallback>
+        <mc:Fallback xmlns="">
           <p:sp>
             <p:nvSpPr>
               <p:cNvPr id="166" name="文本框 165">
@@ -6887,8 +6873,8 @@
           </p:sp>
         </mc:Fallback>
       </mc:AlternateContent>
-      <mc:AlternateContent xmlns:mc="http://schemas.openxmlformats.org/markup-compatibility/2006">
-        <mc:Choice xmlns:a14="http://schemas.microsoft.com/office/drawing/2010/main" Requires="a14">
+      <mc:AlternateContent xmlns:mc="http://schemas.openxmlformats.org/markup-compatibility/2006" xmlns:a14="http://schemas.microsoft.com/office/drawing/2010/main">
+        <mc:Choice Requires="a14">
           <p:sp>
             <p:nvSpPr>
               <p:cNvPr id="167" name="文本框 166">
@@ -6966,7 +6952,7 @@
             </p:txBody>
           </p:sp>
         </mc:Choice>
-        <mc:Fallback>
+        <mc:Fallback xmlns="">
           <p:sp>
             <p:nvSpPr>
               <p:cNvPr id="167" name="文本框 166">
@@ -7147,8 +7133,8 @@
           </a:fontRef>
         </p:style>
       </p:cxnSp>
-      <mc:AlternateContent xmlns:mc="http://schemas.openxmlformats.org/markup-compatibility/2006">
-        <mc:Choice xmlns:a14="http://schemas.microsoft.com/office/drawing/2010/main" Requires="a14">
+      <mc:AlternateContent xmlns:mc="http://schemas.openxmlformats.org/markup-compatibility/2006" xmlns:a14="http://schemas.microsoft.com/office/drawing/2010/main">
+        <mc:Choice Requires="a14">
           <p:sp>
             <p:nvSpPr>
               <p:cNvPr id="172" name="文本框 171">
@@ -7211,14 +7197,7 @@
                               <a:latin typeface="Cambria Math" panose="02040503050406030204" pitchFamily="18" charset="0"/>
                               <a:ea typeface="宋体" panose="02010600030101010101" pitchFamily="2" charset="-122"/>
                             </a:rPr>
-                            <m:t>1</m:t>
-                          </m:r>
-                          <m:r>
-                            <a:rPr lang="en-US" altLang="zh-CN" sz="1600" b="0" i="1" smtClean="0">
-                              <a:latin typeface="Cambria Math" panose="02040503050406030204" pitchFamily="18" charset="0"/>
-                              <a:ea typeface="宋体" panose="02010600030101010101" pitchFamily="2" charset="-122"/>
-                            </a:rPr>
-                            <m:t>3</m:t>
+                            <m:t>13</m:t>
                           </m:r>
                         </m:sub>
                       </m:sSub>
@@ -7233,7 +7212,7 @@
             </p:txBody>
           </p:sp>
         </mc:Choice>
-        <mc:Fallback>
+        <mc:Fallback xmlns="">
           <p:sp>
             <p:nvSpPr>
               <p:cNvPr id="172" name="文本框 171">
@@ -7384,8 +7363,8 @@
           </a:fontRef>
         </p:style>
       </p:cxnSp>
-      <mc:AlternateContent xmlns:mc="http://schemas.openxmlformats.org/markup-compatibility/2006">
-        <mc:Choice xmlns:a14="http://schemas.microsoft.com/office/drawing/2010/main" Requires="a14">
+      <mc:AlternateContent xmlns:mc="http://schemas.openxmlformats.org/markup-compatibility/2006" xmlns:a14="http://schemas.microsoft.com/office/drawing/2010/main">
+        <mc:Choice Requires="a14">
           <p:sp>
             <p:nvSpPr>
               <p:cNvPr id="177" name="文本框 176">
@@ -7448,14 +7427,7 @@
                               <a:latin typeface="Cambria Math" panose="02040503050406030204" pitchFamily="18" charset="0"/>
                               <a:ea typeface="宋体" panose="02010600030101010101" pitchFamily="2" charset="-122"/>
                             </a:rPr>
-                            <m:t>1</m:t>
-                          </m:r>
-                          <m:r>
-                            <a:rPr lang="en-US" altLang="zh-CN" sz="1600" b="0" i="1" smtClean="0">
-                              <a:latin typeface="Cambria Math" panose="02040503050406030204" pitchFamily="18" charset="0"/>
-                              <a:ea typeface="宋体" panose="02010600030101010101" pitchFamily="2" charset="-122"/>
-                            </a:rPr>
-                            <m:t>4</m:t>
+                            <m:t>14</m:t>
                           </m:r>
                         </m:sub>
                       </m:sSub>
@@ -7470,7 +7442,7 @@
             </p:txBody>
           </p:sp>
         </mc:Choice>
-        <mc:Fallback>
+        <mc:Fallback xmlns="">
           <p:sp>
             <p:nvSpPr>
               <p:cNvPr id="177" name="文本框 176">
@@ -7723,8 +7695,8 @@
           </a:p>
         </p:txBody>
       </p:sp>
-      <mc:AlternateContent xmlns:mc="http://schemas.openxmlformats.org/markup-compatibility/2006">
-        <mc:Choice xmlns:a14="http://schemas.microsoft.com/office/drawing/2010/main" Requires="a14">
+      <mc:AlternateContent xmlns:mc="http://schemas.openxmlformats.org/markup-compatibility/2006" xmlns:a14="http://schemas.microsoft.com/office/drawing/2010/main">
+        <mc:Choice Requires="a14">
           <p:sp>
             <p:nvSpPr>
               <p:cNvPr id="184" name="文本框 183">
@@ -7787,14 +7759,7 @@
                               <a:latin typeface="Cambria Math" panose="02040503050406030204" pitchFamily="18" charset="0"/>
                               <a:ea typeface="宋体" panose="02010600030101010101" pitchFamily="2" charset="-122"/>
                             </a:rPr>
-                            <m:t>1</m:t>
-                          </m:r>
-                          <m:r>
-                            <a:rPr lang="en-US" altLang="zh-CN" sz="1600" b="0" i="1" smtClean="0">
-                              <a:latin typeface="Cambria Math" panose="02040503050406030204" pitchFamily="18" charset="0"/>
-                              <a:ea typeface="宋体" panose="02010600030101010101" pitchFamily="2" charset="-122"/>
-                            </a:rPr>
-                            <m:t>5</m:t>
+                            <m:t>15</m:t>
                           </m:r>
                         </m:sub>
                       </m:sSub>
@@ -7809,7 +7774,7 @@
             </p:txBody>
           </p:sp>
         </mc:Choice>
-        <mc:Fallback>
+        <mc:Fallback xmlns="">
           <p:sp>
             <p:nvSpPr>
               <p:cNvPr id="184" name="文本框 183">
@@ -7854,8 +7819,8 @@
           </p:sp>
         </mc:Fallback>
       </mc:AlternateContent>
-      <mc:AlternateContent xmlns:mc="http://schemas.openxmlformats.org/markup-compatibility/2006">
-        <mc:Choice xmlns:a14="http://schemas.microsoft.com/office/drawing/2010/main" Requires="a14">
+      <mc:AlternateContent xmlns:mc="http://schemas.openxmlformats.org/markup-compatibility/2006" xmlns:a14="http://schemas.microsoft.com/office/drawing/2010/main">
+        <mc:Choice Requires="a14">
           <p:sp>
             <p:nvSpPr>
               <p:cNvPr id="191" name="文本框 190">
@@ -7933,7 +7898,7 @@
             </p:txBody>
           </p:sp>
         </mc:Choice>
-        <mc:Fallback>
+        <mc:Fallback xmlns="">
           <p:sp>
             <p:nvSpPr>
               <p:cNvPr id="191" name="文本框 190">
@@ -8319,8 +8284,8 @@
           </a:p>
         </p:txBody>
       </p:sp>
-      <mc:AlternateContent xmlns:mc="http://schemas.openxmlformats.org/markup-compatibility/2006">
-        <mc:Choice xmlns:a14="http://schemas.microsoft.com/office/drawing/2010/main" Requires="a14">
+      <mc:AlternateContent xmlns:mc="http://schemas.openxmlformats.org/markup-compatibility/2006" xmlns:a14="http://schemas.microsoft.com/office/drawing/2010/main">
+        <mc:Choice Requires="a14">
           <p:sp>
             <p:nvSpPr>
               <p:cNvPr id="200" name="文本框 199">
@@ -8383,14 +8348,7 @@
                               <a:latin typeface="Cambria Math" panose="02040503050406030204" pitchFamily="18" charset="0"/>
                               <a:ea typeface="宋体" panose="02010600030101010101" pitchFamily="2" charset="-122"/>
                             </a:rPr>
-                            <m:t>1</m:t>
-                          </m:r>
-                          <m:r>
-                            <a:rPr lang="en-US" altLang="zh-CN" sz="1600" b="0" i="1" smtClean="0">
-                              <a:latin typeface="Cambria Math" panose="02040503050406030204" pitchFamily="18" charset="0"/>
-                              <a:ea typeface="宋体" panose="02010600030101010101" pitchFamily="2" charset="-122"/>
-                            </a:rPr>
-                            <m:t>7</m:t>
+                            <m:t>17</m:t>
                           </m:r>
                         </m:sub>
                       </m:sSub>
@@ -8405,7 +8363,7 @@
             </p:txBody>
           </p:sp>
         </mc:Choice>
-        <mc:Fallback>
+        <mc:Fallback xmlns="">
           <p:sp>
             <p:nvSpPr>
               <p:cNvPr id="200" name="文本框 199">
@@ -8631,8 +8589,8 @@
           </a:fontRef>
         </p:style>
       </p:cxnSp>
-      <mc:AlternateContent xmlns:mc="http://schemas.openxmlformats.org/markup-compatibility/2006">
-        <mc:Choice xmlns:a14="http://schemas.microsoft.com/office/drawing/2010/main" Requires="a14">
+      <mc:AlternateContent xmlns:mc="http://schemas.openxmlformats.org/markup-compatibility/2006" xmlns:a14="http://schemas.microsoft.com/office/drawing/2010/main">
+        <mc:Choice Requires="a14">
           <p:sp>
             <p:nvSpPr>
               <p:cNvPr id="205" name="文本框 204">
@@ -8695,14 +8653,7 @@
                               <a:latin typeface="Cambria Math" panose="02040503050406030204" pitchFamily="18" charset="0"/>
                               <a:ea typeface="宋体" panose="02010600030101010101" pitchFamily="2" charset="-122"/>
                             </a:rPr>
-                            <m:t>1</m:t>
-                          </m:r>
-                          <m:r>
-                            <a:rPr lang="en-US" altLang="zh-CN" sz="1600" b="0" i="1" smtClean="0">
-                              <a:latin typeface="Cambria Math" panose="02040503050406030204" pitchFamily="18" charset="0"/>
-                              <a:ea typeface="宋体" panose="02010600030101010101" pitchFamily="2" charset="-122"/>
-                            </a:rPr>
-                            <m:t>8</m:t>
+                            <m:t>18</m:t>
                           </m:r>
                         </m:sub>
                       </m:sSub>
@@ -8717,7 +8668,7 @@
             </p:txBody>
           </p:sp>
         </mc:Choice>
-        <mc:Fallback>
+        <mc:Fallback xmlns="">
           <p:sp>
             <p:nvSpPr>
               <p:cNvPr id="205" name="文本框 204">
@@ -8954,8 +8905,8 @@
           </a:p>
         </p:txBody>
       </p:sp>
-      <mc:AlternateContent xmlns:mc="http://schemas.openxmlformats.org/markup-compatibility/2006">
-        <mc:Choice xmlns:a14="http://schemas.microsoft.com/office/drawing/2010/main" Requires="a14">
+      <mc:AlternateContent xmlns:mc="http://schemas.openxmlformats.org/markup-compatibility/2006" xmlns:a14="http://schemas.microsoft.com/office/drawing/2010/main">
+        <mc:Choice Requires="a14">
           <p:sp>
             <p:nvSpPr>
               <p:cNvPr id="212" name="文本框 211">
@@ -9018,14 +8969,7 @@
                               <a:latin typeface="Cambria Math" panose="02040503050406030204" pitchFamily="18" charset="0"/>
                               <a:ea typeface="宋体" panose="02010600030101010101" pitchFamily="2" charset="-122"/>
                             </a:rPr>
-                            <m:t>1</m:t>
-                          </m:r>
-                          <m:r>
-                            <a:rPr lang="en-US" altLang="zh-CN" sz="1600" b="0" i="1" smtClean="0">
-                              <a:latin typeface="Cambria Math" panose="02040503050406030204" pitchFamily="18" charset="0"/>
-                              <a:ea typeface="宋体" panose="02010600030101010101" pitchFamily="2" charset="-122"/>
-                            </a:rPr>
-                            <m:t>9</m:t>
+                            <m:t>19</m:t>
                           </m:r>
                         </m:sub>
                       </m:sSub>
@@ -9040,7 +8984,7 @@
             </p:txBody>
           </p:sp>
         </mc:Choice>
-        <mc:Fallback>
+        <mc:Fallback xmlns="">
           <p:sp>
             <p:nvSpPr>
               <p:cNvPr id="212" name="文本框 211">
@@ -9085,8 +9029,8 @@
           </p:sp>
         </mc:Fallback>
       </mc:AlternateContent>
-      <mc:AlternateContent xmlns:mc="http://schemas.openxmlformats.org/markup-compatibility/2006">
-        <mc:Choice xmlns:a14="http://schemas.microsoft.com/office/drawing/2010/main" Requires="a14">
+      <mc:AlternateContent xmlns:mc="http://schemas.openxmlformats.org/markup-compatibility/2006" xmlns:a14="http://schemas.microsoft.com/office/drawing/2010/main">
+        <mc:Choice Requires="a14">
           <p:sp>
             <p:nvSpPr>
               <p:cNvPr id="215" name="文本框 214">
@@ -9164,7 +9108,7 @@
             </p:txBody>
           </p:sp>
         </mc:Choice>
-        <mc:Fallback>
+        <mc:Fallback xmlns="">
           <p:sp>
             <p:nvSpPr>
               <p:cNvPr id="215" name="文本框 214">
@@ -9454,8 +9398,8 @@
           </a:p>
         </p:txBody>
       </p:sp>
-      <mc:AlternateContent xmlns:mc="http://schemas.openxmlformats.org/markup-compatibility/2006">
-        <mc:Choice xmlns:a14="http://schemas.microsoft.com/office/drawing/2010/main" Requires="a14">
+      <mc:AlternateContent xmlns:mc="http://schemas.openxmlformats.org/markup-compatibility/2006" xmlns:a14="http://schemas.microsoft.com/office/drawing/2010/main">
+        <mc:Choice Requires="a14">
           <p:sp>
             <p:nvSpPr>
               <p:cNvPr id="226" name="文本框 225">
@@ -9533,7 +9477,7 @@
             </p:txBody>
           </p:sp>
         </mc:Choice>
-        <mc:Fallback>
+        <mc:Fallback xmlns="">
           <p:sp>
             <p:nvSpPr>
               <p:cNvPr id="226" name="文本框 225">
@@ -9578,8 +9522,8 @@
           </p:sp>
         </mc:Fallback>
       </mc:AlternateContent>
-      <mc:AlternateContent xmlns:mc="http://schemas.openxmlformats.org/markup-compatibility/2006">
-        <mc:Choice xmlns:a14="http://schemas.microsoft.com/office/drawing/2010/main" Requires="a14">
+      <mc:AlternateContent xmlns:mc="http://schemas.openxmlformats.org/markup-compatibility/2006" xmlns:a14="http://schemas.microsoft.com/office/drawing/2010/main">
+        <mc:Choice Requires="a14">
           <p:sp>
             <p:nvSpPr>
               <p:cNvPr id="229" name="文本框 228">
@@ -9657,7 +9601,7 @@
             </p:txBody>
           </p:sp>
         </mc:Choice>
-        <mc:Fallback>
+        <mc:Fallback xmlns="">
           <p:sp>
             <p:nvSpPr>
               <p:cNvPr id="229" name="文本框 228">
@@ -9787,8 +9731,8 @@
           </a:p>
         </p:txBody>
       </p:sp>
-      <mc:AlternateContent xmlns:mc="http://schemas.openxmlformats.org/markup-compatibility/2006">
-        <mc:Choice xmlns:a14="http://schemas.microsoft.com/office/drawing/2010/main" Requires="a14">
+      <mc:AlternateContent xmlns:mc="http://schemas.openxmlformats.org/markup-compatibility/2006" xmlns:a14="http://schemas.microsoft.com/office/drawing/2010/main">
+        <mc:Choice Requires="a14">
           <p:sp>
             <p:nvSpPr>
               <p:cNvPr id="235" name="文本框 234">
@@ -9866,7 +9810,7 @@
             </p:txBody>
           </p:sp>
         </mc:Choice>
-        <mc:Fallback>
+        <mc:Fallback xmlns="">
           <p:sp>
             <p:nvSpPr>
               <p:cNvPr id="235" name="文本框 234">
@@ -10129,8 +10073,8 @@
         </p:nvCxnSpPr>
         <p:spPr>
           <a:xfrm>
-            <a:off x="4697626" y="5462113"/>
-            <a:ext cx="536126" cy="1"/>
+            <a:off x="4720341" y="5462114"/>
+            <a:ext cx="513411" cy="0"/>
           </a:xfrm>
           <a:prstGeom prst="straightConnector1">
             <a:avLst/>
@@ -10197,8 +10141,8 @@
           </a:p>
         </p:txBody>
       </p:sp>
-      <mc:AlternateContent xmlns:mc="http://schemas.openxmlformats.org/markup-compatibility/2006">
-        <mc:Choice xmlns:a14="http://schemas.microsoft.com/office/drawing/2010/main" Requires="a14">
+      <mc:AlternateContent xmlns:mc="http://schemas.openxmlformats.org/markup-compatibility/2006" xmlns:a14="http://schemas.microsoft.com/office/drawing/2010/main">
+        <mc:Choice Requires="a14">
           <p:sp>
             <p:nvSpPr>
               <p:cNvPr id="244" name="文本框 243">
@@ -10276,7 +10220,7 @@
             </p:txBody>
           </p:sp>
         </mc:Choice>
-        <mc:Fallback>
+        <mc:Fallback xmlns="">
           <p:sp>
             <p:nvSpPr>
               <p:cNvPr id="244" name="文本框 243">
@@ -10321,8 +10265,8 @@
           </p:sp>
         </mc:Fallback>
       </mc:AlternateContent>
-      <mc:AlternateContent xmlns:mc="http://schemas.openxmlformats.org/markup-compatibility/2006">
-        <mc:Choice xmlns:a14="http://schemas.microsoft.com/office/drawing/2010/main" Requires="a14">
+      <mc:AlternateContent xmlns:mc="http://schemas.openxmlformats.org/markup-compatibility/2006" xmlns:a14="http://schemas.microsoft.com/office/drawing/2010/main">
+        <mc:Choice Requires="a14">
           <p:sp>
             <p:nvSpPr>
               <p:cNvPr id="245" name="文本框 244">
@@ -10400,7 +10344,7 @@
             </p:txBody>
           </p:sp>
         </mc:Choice>
-        <mc:Fallback>
+        <mc:Fallback xmlns="">
           <p:sp>
             <p:nvSpPr>
               <p:cNvPr id="245" name="文本框 244">
@@ -10679,8 +10623,8 @@
           </a:p>
         </p:txBody>
       </p:sp>
-      <mc:AlternateContent xmlns:mc="http://schemas.openxmlformats.org/markup-compatibility/2006">
-        <mc:Choice xmlns:a14="http://schemas.microsoft.com/office/drawing/2010/main" Requires="a14">
+      <mc:AlternateContent xmlns:mc="http://schemas.openxmlformats.org/markup-compatibility/2006" xmlns:a14="http://schemas.microsoft.com/office/drawing/2010/main">
+        <mc:Choice Requires="a14">
           <p:sp>
             <p:nvSpPr>
               <p:cNvPr id="257" name="文本框 256">
@@ -10758,7 +10702,7 @@
             </p:txBody>
           </p:sp>
         </mc:Choice>
-        <mc:Fallback>
+        <mc:Fallback xmlns="">
           <p:sp>
             <p:nvSpPr>
               <p:cNvPr id="257" name="文本框 256">
@@ -10803,6 +10747,49 @@
           </p:sp>
         </mc:Fallback>
       </mc:AlternateContent>
+      <p:sp>
+        <p:nvSpPr>
+          <p:cNvPr id="107" name="文本框 106">
+            <a:extLst>
+              <a:ext uri="{FF2B5EF4-FFF2-40B4-BE49-F238E27FC236}">
+                <a16:creationId xmlns:a16="http://schemas.microsoft.com/office/drawing/2014/main" id="{55501842-4075-45DE-A107-7E77557C01BC}"/>
+              </a:ext>
+            </a:extLst>
+          </p:cNvPr>
+          <p:cNvSpPr txBox="1"/>
+          <p:nvPr/>
+        </p:nvSpPr>
+        <p:spPr>
+          <a:xfrm>
+            <a:off x="8562864" y="3092697"/>
+            <a:ext cx="228600" cy="338554"/>
+          </a:xfrm>
+          <a:prstGeom prst="rect">
+            <a:avLst/>
+          </a:prstGeom>
+          <a:noFill/>
+        </p:spPr>
+        <p:txBody>
+          <a:bodyPr wrap="square" rtlCol="0">
+            <a:spAutoFit/>
+          </a:bodyPr>
+          <a:lstStyle/>
+          <a:p>
+            <a:pPr algn="ctr"/>
+            <a:r>
+              <a:rPr lang="en-US" altLang="zh-CN" sz="1600" dirty="0">
+                <a:latin typeface="宋体" panose="02010600030101010101" pitchFamily="2" charset="-122"/>
+                <a:ea typeface="宋体" panose="02010600030101010101" pitchFamily="2" charset="-122"/>
+              </a:rPr>
+              <a:t>C</a:t>
+            </a:r>
+            <a:endParaRPr lang="zh-CN" altLang="en-US" sz="1600" dirty="0">
+              <a:latin typeface="宋体" panose="02010600030101010101" pitchFamily="2" charset="-122"/>
+              <a:ea typeface="宋体" panose="02010600030101010101" pitchFamily="2" charset="-122"/>
+            </a:endParaRPr>
+          </a:p>
+        </p:txBody>
+      </p:sp>
     </p:spTree>
     <p:extLst>
       <p:ext uri="{BB962C8B-B14F-4D97-AF65-F5344CB8AC3E}">
@@ -10833,8 +10820,8 @@
           <a:chExt cx="0" cy="0"/>
         </a:xfrm>
       </p:grpSpPr>
-      <mc:AlternateContent xmlns:mc="http://schemas.openxmlformats.org/markup-compatibility/2006">
-        <mc:Choice xmlns:a14="http://schemas.microsoft.com/office/drawing/2010/main" Requires="a14">
+      <mc:AlternateContent xmlns:mc="http://schemas.openxmlformats.org/markup-compatibility/2006" xmlns:a14="http://schemas.microsoft.com/office/drawing/2010/main">
+        <mc:Choice Requires="a14">
           <p:sp>
             <p:nvSpPr>
               <p:cNvPr id="5" name="文本框 4">
@@ -10912,7 +10899,7 @@
             </p:txBody>
           </p:sp>
         </mc:Choice>
-        <mc:Fallback>
+        <mc:Fallback xmlns="">
           <p:sp>
             <p:nvSpPr>
               <p:cNvPr id="5" name="文本框 4">
@@ -11354,8 +11341,8 @@
           </a:p>
         </p:txBody>
       </p:sp>
-      <mc:AlternateContent xmlns:mc="http://schemas.openxmlformats.org/markup-compatibility/2006">
-        <mc:Choice xmlns:a14="http://schemas.microsoft.com/office/drawing/2010/main" Requires="a14">
+      <mc:AlternateContent xmlns:mc="http://schemas.openxmlformats.org/markup-compatibility/2006" xmlns:a14="http://schemas.microsoft.com/office/drawing/2010/main">
+        <mc:Choice Requires="a14">
           <p:sp>
             <p:nvSpPr>
               <p:cNvPr id="13" name="文本框 12">
@@ -11433,7 +11420,7 @@
             </p:txBody>
           </p:sp>
         </mc:Choice>
-        <mc:Fallback>
+        <mc:Fallback xmlns="">
           <p:sp>
             <p:nvSpPr>
               <p:cNvPr id="13" name="文本框 12">
@@ -11478,8 +11465,8 @@
           </p:sp>
         </mc:Fallback>
       </mc:AlternateContent>
-      <mc:AlternateContent xmlns:mc="http://schemas.openxmlformats.org/markup-compatibility/2006">
-        <mc:Choice xmlns:a14="http://schemas.microsoft.com/office/drawing/2010/main" Requires="a14">
+      <mc:AlternateContent xmlns:mc="http://schemas.openxmlformats.org/markup-compatibility/2006" xmlns:a14="http://schemas.microsoft.com/office/drawing/2010/main">
+        <mc:Choice Requires="a14">
           <p:sp>
             <p:nvSpPr>
               <p:cNvPr id="14" name="文本框 13">
@@ -11557,7 +11544,7 @@
             </p:txBody>
           </p:sp>
         </mc:Choice>
-        <mc:Fallback>
+        <mc:Fallback xmlns="">
           <p:sp>
             <p:nvSpPr>
               <p:cNvPr id="14" name="文本框 13">
@@ -11785,8 +11772,8 @@
           </a:p>
         </p:txBody>
       </p:sp>
-      <mc:AlternateContent xmlns:mc="http://schemas.openxmlformats.org/markup-compatibility/2006">
-        <mc:Choice xmlns:a14="http://schemas.microsoft.com/office/drawing/2010/main" Requires="a14">
+      <mc:AlternateContent xmlns:mc="http://schemas.openxmlformats.org/markup-compatibility/2006" xmlns:a14="http://schemas.microsoft.com/office/drawing/2010/main">
+        <mc:Choice Requires="a14">
           <p:sp>
             <p:nvSpPr>
               <p:cNvPr id="23" name="文本框 22">
@@ -11864,7 +11851,7 @@
             </p:txBody>
           </p:sp>
         </mc:Choice>
-        <mc:Fallback>
+        <mc:Fallback xmlns="">
           <p:sp>
             <p:nvSpPr>
               <p:cNvPr id="23" name="文本框 22">
@@ -11994,8 +11981,8 @@
           </a:p>
         </p:txBody>
       </p:sp>
-      <mc:AlternateContent xmlns:mc="http://schemas.openxmlformats.org/markup-compatibility/2006">
-        <mc:Choice xmlns:a14="http://schemas.microsoft.com/office/drawing/2010/main" Requires="a14">
+      <mc:AlternateContent xmlns:mc="http://schemas.openxmlformats.org/markup-compatibility/2006" xmlns:a14="http://schemas.microsoft.com/office/drawing/2010/main">
+        <mc:Choice Requires="a14">
           <p:sp>
             <p:nvSpPr>
               <p:cNvPr id="29" name="文本框 28">
@@ -12058,14 +12045,7 @@
                               <a:latin typeface="Cambria Math" panose="02040503050406030204" pitchFamily="18" charset="0"/>
                               <a:ea typeface="宋体" panose="02010600030101010101" pitchFamily="2" charset="-122"/>
                             </a:rPr>
-                            <m:t>1</m:t>
-                          </m:r>
-                          <m:r>
-                            <a:rPr lang="en-US" altLang="zh-CN" sz="1600" b="0" i="1" smtClean="0">
-                              <a:latin typeface="Cambria Math" panose="02040503050406030204" pitchFamily="18" charset="0"/>
-                              <a:ea typeface="宋体" panose="02010600030101010101" pitchFamily="2" charset="-122"/>
-                            </a:rPr>
-                            <m:t>3</m:t>
+                            <m:t>13</m:t>
                           </m:r>
                         </m:sub>
                       </m:sSub>
@@ -12080,7 +12060,7 @@
             </p:txBody>
           </p:sp>
         </mc:Choice>
-        <mc:Fallback>
+        <mc:Fallback xmlns="">
           <p:sp>
             <p:nvSpPr>
               <p:cNvPr id="29" name="文本框 28">
@@ -12125,8 +12105,8 @@
           </p:sp>
         </mc:Fallback>
       </mc:AlternateContent>
-      <mc:AlternateContent xmlns:mc="http://schemas.openxmlformats.org/markup-compatibility/2006">
-        <mc:Choice xmlns:a14="http://schemas.microsoft.com/office/drawing/2010/main" Requires="a14">
+      <mc:AlternateContent xmlns:mc="http://schemas.openxmlformats.org/markup-compatibility/2006" xmlns:a14="http://schemas.microsoft.com/office/drawing/2010/main">
+        <mc:Choice Requires="a14">
           <p:sp>
             <p:nvSpPr>
               <p:cNvPr id="30" name="文本框 29">
@@ -12189,14 +12169,7 @@
                               <a:latin typeface="Cambria Math" panose="02040503050406030204" pitchFamily="18" charset="0"/>
                               <a:ea typeface="宋体" panose="02010600030101010101" pitchFamily="2" charset="-122"/>
                             </a:rPr>
-                            <m:t>1</m:t>
-                          </m:r>
-                          <m:r>
-                            <a:rPr lang="en-US" altLang="zh-CN" sz="1600" b="0" i="1" smtClean="0">
-                              <a:latin typeface="Cambria Math" panose="02040503050406030204" pitchFamily="18" charset="0"/>
-                              <a:ea typeface="宋体" panose="02010600030101010101" pitchFamily="2" charset="-122"/>
-                            </a:rPr>
-                            <m:t>4</m:t>
+                            <m:t>14</m:t>
                           </m:r>
                         </m:sub>
                       </m:sSub>
@@ -12211,7 +12184,7 @@
             </p:txBody>
           </p:sp>
         </mc:Choice>
-        <mc:Fallback>
+        <mc:Fallback xmlns="">
           <p:sp>
             <p:nvSpPr>
               <p:cNvPr id="30" name="文本框 29">
@@ -12683,8 +12656,8 @@
           </a:p>
         </p:txBody>
       </p:sp>
-      <mc:AlternateContent xmlns:mc="http://schemas.openxmlformats.org/markup-compatibility/2006">
-        <mc:Choice xmlns:a14="http://schemas.microsoft.com/office/drawing/2010/main" Requires="a14">
+      <mc:AlternateContent xmlns:mc="http://schemas.openxmlformats.org/markup-compatibility/2006" xmlns:a14="http://schemas.microsoft.com/office/drawing/2010/main">
+        <mc:Choice Requires="a14">
           <p:sp>
             <p:nvSpPr>
               <p:cNvPr id="44" name="文本框 43">
@@ -12762,7 +12735,7 @@
             </p:txBody>
           </p:sp>
         </mc:Choice>
-        <mc:Fallback>
+        <mc:Fallback xmlns="">
           <p:sp>
             <p:nvSpPr>
               <p:cNvPr id="44" name="文本框 43">
@@ -12967,8 +12940,8 @@
           </a:p>
         </p:txBody>
       </p:sp>
-      <mc:AlternateContent xmlns:mc="http://schemas.openxmlformats.org/markup-compatibility/2006">
-        <mc:Choice xmlns:a14="http://schemas.microsoft.com/office/drawing/2010/main" Requires="a14">
+      <mc:AlternateContent xmlns:mc="http://schemas.openxmlformats.org/markup-compatibility/2006" xmlns:a14="http://schemas.microsoft.com/office/drawing/2010/main">
+        <mc:Choice Requires="a14">
           <p:sp>
             <p:nvSpPr>
               <p:cNvPr id="49" name="文本框 48">
@@ -13046,7 +13019,7 @@
             </p:txBody>
           </p:sp>
         </mc:Choice>
-        <mc:Fallback>
+        <mc:Fallback xmlns="">
           <p:sp>
             <p:nvSpPr>
               <p:cNvPr id="49" name="文本框 48">
@@ -13091,8 +13064,8 @@
           </p:sp>
         </mc:Fallback>
       </mc:AlternateContent>
-      <mc:AlternateContent xmlns:mc="http://schemas.openxmlformats.org/markup-compatibility/2006">
-        <mc:Choice xmlns:a14="http://schemas.microsoft.com/office/drawing/2010/main" Requires="a14">
+      <mc:AlternateContent xmlns:mc="http://schemas.openxmlformats.org/markup-compatibility/2006" xmlns:a14="http://schemas.microsoft.com/office/drawing/2010/main">
+        <mc:Choice Requires="a14">
           <p:sp>
             <p:nvSpPr>
               <p:cNvPr id="50" name="文本框 49">
@@ -13155,14 +13128,7 @@
                               <a:latin typeface="Cambria Math" panose="02040503050406030204" pitchFamily="18" charset="0"/>
                               <a:ea typeface="宋体" panose="02010600030101010101" pitchFamily="2" charset="-122"/>
                             </a:rPr>
-                            <m:t>1</m:t>
-                          </m:r>
-                          <m:r>
-                            <a:rPr lang="en-US" altLang="zh-CN" sz="1600" b="0" i="1" smtClean="0">
-                              <a:latin typeface="Cambria Math" panose="02040503050406030204" pitchFamily="18" charset="0"/>
-                              <a:ea typeface="宋体" panose="02010600030101010101" pitchFamily="2" charset="-122"/>
-                            </a:rPr>
-                            <m:t>3</m:t>
+                            <m:t>13</m:t>
                           </m:r>
                         </m:sub>
                       </m:sSub>
@@ -13177,7 +13143,7 @@
             </p:txBody>
           </p:sp>
         </mc:Choice>
-        <mc:Fallback>
+        <mc:Fallback xmlns="">
           <p:sp>
             <p:nvSpPr>
               <p:cNvPr id="50" name="文本框 49">
@@ -13222,8 +13188,8 @@
           </p:sp>
         </mc:Fallback>
       </mc:AlternateContent>
-      <mc:AlternateContent xmlns:mc="http://schemas.openxmlformats.org/markup-compatibility/2006">
-        <mc:Choice xmlns:a14="http://schemas.microsoft.com/office/drawing/2010/main" Requires="a14">
+      <mc:AlternateContent xmlns:mc="http://schemas.openxmlformats.org/markup-compatibility/2006" xmlns:a14="http://schemas.microsoft.com/office/drawing/2010/main">
+        <mc:Choice Requires="a14">
           <p:sp>
             <p:nvSpPr>
               <p:cNvPr id="51" name="文本框 50">
@@ -13286,14 +13252,7 @@
                               <a:latin typeface="Cambria Math" panose="02040503050406030204" pitchFamily="18" charset="0"/>
                               <a:ea typeface="宋体" panose="02010600030101010101" pitchFamily="2" charset="-122"/>
                             </a:rPr>
-                            <m:t>1</m:t>
-                          </m:r>
-                          <m:r>
-                            <a:rPr lang="en-US" altLang="zh-CN" sz="1600" b="0" i="1" smtClean="0">
-                              <a:latin typeface="Cambria Math" panose="02040503050406030204" pitchFamily="18" charset="0"/>
-                              <a:ea typeface="宋体" panose="02010600030101010101" pitchFamily="2" charset="-122"/>
-                            </a:rPr>
-                            <m:t>4</m:t>
+                            <m:t>14</m:t>
                           </m:r>
                         </m:sub>
                       </m:sSub>
@@ -13308,7 +13267,7 @@
             </p:txBody>
           </p:sp>
         </mc:Choice>
-        <mc:Fallback>
+        <mc:Fallback xmlns="">
           <p:sp>
             <p:nvSpPr>
               <p:cNvPr id="51" name="文本框 50">
